--- a/talks/rjam20-4-2020.pptx
+++ b/talks/rjam20-4-2020.pptx
@@ -5,7 +5,7 @@
     <p:sldMasterId id="2147483648" r:id="rId1"/>
   </p:sldMasterIdLst>
   <p:notesMasterIdLst>
-    <p:notesMasterId r:id="rId18"/>
+    <p:notesMasterId r:id="rId19"/>
   </p:notesMasterIdLst>
   <p:sldIdLst>
     <p:sldId id="256" r:id="rId2"/>
@@ -23,7 +23,8 @@
     <p:sldId id="273" r:id="rId14"/>
     <p:sldId id="264" r:id="rId15"/>
     <p:sldId id="274" r:id="rId16"/>
-    <p:sldId id="275" r:id="rId17"/>
+    <p:sldId id="276" r:id="rId17"/>
+    <p:sldId id="275" r:id="rId18"/>
   </p:sldIdLst>
   <p:sldSz cx="12192000" cy="6858000"/>
   <p:notesSz cx="6858000" cy="9144000"/>
@@ -133,6 +134,7 @@
 <file path=ppt/revisionInfo.xml><?xml version="1.0" encoding="utf-8"?>
 <p1510:revInfo xmlns:a="http://schemas.openxmlformats.org/drawingml/2006/main" xmlns:r="http://schemas.openxmlformats.org/officeDocument/2006/relationships" xmlns:p1510="http://schemas.microsoft.com/office/powerpoint/2015/10/main">
   <p1510:revLst>
+    <p1510:client id="{3251757D-3D47-4F5B-840A-A9D4E18769B9}" v="60" dt="2020-04-20T11:17:54.093"/>
     <p1510:client id="{7574020A-2FA5-42F9-B9DF-E84696B4EC89}" v="93" dt="2020-04-20T10:58:14.769"/>
   </p1510:revLst>
 </p1510:revInfo>
@@ -1383,6 +1385,196 @@
             <ac:cxnSpMk id="7" creationId="{81E88294-E862-4377-8D84-C6096F61CAEF}"/>
           </ac:cxnSpMkLst>
         </pc:cxnChg>
+      </pc:sldChg>
+    </pc:docChg>
+  </pc:docChgLst>
+  <pc:docChgLst>
+    <pc:chgData name="Martin Bateman &lt;School of Physical Sciences &amp; Computing&gt;" userId="341d4b5b-c856-4d42-b8e6-34aa97a804ab" providerId="ADAL" clId="{3251757D-3D47-4F5B-840A-A9D4E18769B9}"/>
+    <pc:docChg chg="custSel addSld modSld">
+      <pc:chgData name="Martin Bateman &lt;School of Physical Sciences &amp; Computing&gt;" userId="341d4b5b-c856-4d42-b8e6-34aa97a804ab" providerId="ADAL" clId="{3251757D-3D47-4F5B-840A-A9D4E18769B9}" dt="2020-04-20T11:21:38.493" v="1003" actId="20577"/>
+      <pc:docMkLst>
+        <pc:docMk/>
+      </pc:docMkLst>
+      <pc:sldChg chg="addSp modSp modNotesTx">
+        <pc:chgData name="Martin Bateman &lt;School of Physical Sciences &amp; Computing&gt;" userId="341d4b5b-c856-4d42-b8e6-34aa97a804ab" providerId="ADAL" clId="{3251757D-3D47-4F5B-840A-A9D4E18769B9}" dt="2020-04-20T11:19:45.741" v="565" actId="20577"/>
+        <pc:sldMkLst>
+          <pc:docMk/>
+          <pc:sldMk cId="3196234658" sldId="256"/>
+        </pc:sldMkLst>
+        <pc:spChg chg="add mod">
+          <ac:chgData name="Martin Bateman &lt;School of Physical Sciences &amp; Computing&gt;" userId="341d4b5b-c856-4d42-b8e6-34aa97a804ab" providerId="ADAL" clId="{3251757D-3D47-4F5B-840A-A9D4E18769B9}" dt="2020-04-20T11:08:49.379" v="2" actId="1076"/>
+          <ac:spMkLst>
+            <pc:docMk/>
+            <pc:sldMk cId="3196234658" sldId="256"/>
+            <ac:spMk id="4" creationId="{130A9140-8FB0-4CEF-B2A8-8F15BC74D4A0}"/>
+          </ac:spMkLst>
+        </pc:spChg>
+      </pc:sldChg>
+      <pc:sldChg chg="addSp">
+        <pc:chgData name="Martin Bateman &lt;School of Physical Sciences &amp; Computing&gt;" userId="341d4b5b-c856-4d42-b8e6-34aa97a804ab" providerId="ADAL" clId="{3251757D-3D47-4F5B-840A-A9D4E18769B9}" dt="2020-04-20T11:08:54.248" v="3"/>
+        <pc:sldMkLst>
+          <pc:docMk/>
+          <pc:sldMk cId="2016611461" sldId="275"/>
+        </pc:sldMkLst>
+        <pc:spChg chg="add">
+          <ac:chgData name="Martin Bateman &lt;School of Physical Sciences &amp; Computing&gt;" userId="341d4b5b-c856-4d42-b8e6-34aa97a804ab" providerId="ADAL" clId="{3251757D-3D47-4F5B-840A-A9D4E18769B9}" dt="2020-04-20T11:08:54.248" v="3"/>
+          <ac:spMkLst>
+            <pc:docMk/>
+            <pc:sldMk cId="2016611461" sldId="275"/>
+            <ac:spMk id="4" creationId="{2DF09221-7ECD-4C47-B34F-2C2B7BFDBC1D}"/>
+          </ac:spMkLst>
+        </pc:spChg>
+      </pc:sldChg>
+      <pc:sldChg chg="addSp delSp modSp add modNotesTx">
+        <pc:chgData name="Martin Bateman &lt;School of Physical Sciences &amp; Computing&gt;" userId="341d4b5b-c856-4d42-b8e6-34aa97a804ab" providerId="ADAL" clId="{3251757D-3D47-4F5B-840A-A9D4E18769B9}" dt="2020-04-20T11:21:38.493" v="1003" actId="20577"/>
+        <pc:sldMkLst>
+          <pc:docMk/>
+          <pc:sldMk cId="3121580781" sldId="276"/>
+        </pc:sldMkLst>
+        <pc:spChg chg="del mod">
+          <ac:chgData name="Martin Bateman &lt;School of Physical Sciences &amp; Computing&gt;" userId="341d4b5b-c856-4d42-b8e6-34aa97a804ab" providerId="ADAL" clId="{3251757D-3D47-4F5B-840A-A9D4E18769B9}" dt="2020-04-20T11:15:11.656" v="142" actId="478"/>
+          <ac:spMkLst>
+            <pc:docMk/>
+            <pc:sldMk cId="3121580781" sldId="276"/>
+            <ac:spMk id="2" creationId="{8668764F-6A6F-494E-BE6E-DCFB4164CBA2}"/>
+          </ac:spMkLst>
+        </pc:spChg>
+        <pc:spChg chg="del mod">
+          <ac:chgData name="Martin Bateman &lt;School of Physical Sciences &amp; Computing&gt;" userId="341d4b5b-c856-4d42-b8e6-34aa97a804ab" providerId="ADAL" clId="{3251757D-3D47-4F5B-840A-A9D4E18769B9}" dt="2020-04-20T11:15:34.299" v="209" actId="478"/>
+          <ac:spMkLst>
+            <pc:docMk/>
+            <pc:sldMk cId="3121580781" sldId="276"/>
+            <ac:spMk id="3" creationId="{8DBDAE41-CF4E-48E9-8D5A-CD10E599A100}"/>
+          </ac:spMkLst>
+        </pc:spChg>
+        <pc:spChg chg="add del mod">
+          <ac:chgData name="Martin Bateman &lt;School of Physical Sciences &amp; Computing&gt;" userId="341d4b5b-c856-4d42-b8e6-34aa97a804ab" providerId="ADAL" clId="{3251757D-3D47-4F5B-840A-A9D4E18769B9}" dt="2020-04-20T11:15:14.746" v="143" actId="478"/>
+          <ac:spMkLst>
+            <pc:docMk/>
+            <pc:sldMk cId="3121580781" sldId="276"/>
+            <ac:spMk id="6" creationId="{8F294BA0-7D7F-418F-9B3D-31884027ECF2}"/>
+          </ac:spMkLst>
+        </pc:spChg>
+        <pc:spChg chg="add del mod">
+          <ac:chgData name="Martin Bateman &lt;School of Physical Sciences &amp; Computing&gt;" userId="341d4b5b-c856-4d42-b8e6-34aa97a804ab" providerId="ADAL" clId="{3251757D-3D47-4F5B-840A-A9D4E18769B9}" dt="2020-04-20T11:15:36.144" v="210" actId="478"/>
+          <ac:spMkLst>
+            <pc:docMk/>
+            <pc:sldMk cId="3121580781" sldId="276"/>
+            <ac:spMk id="8" creationId="{DF260DF7-07D7-4A9D-AD0E-2CD31FEC476D}"/>
+          </ac:spMkLst>
+        </pc:spChg>
+        <pc:picChg chg="add mod">
+          <ac:chgData name="Martin Bateman &lt;School of Physical Sciences &amp; Computing&gt;" userId="341d4b5b-c856-4d42-b8e6-34aa97a804ab" providerId="ADAL" clId="{3251757D-3D47-4F5B-840A-A9D4E18769B9}" dt="2020-04-20T11:17:51.389" v="288" actId="1076"/>
+          <ac:picMkLst>
+            <pc:docMk/>
+            <pc:sldMk cId="3121580781" sldId="276"/>
+            <ac:picMk id="1026" creationId="{20E4DEE9-9968-47CA-B833-ECC072983340}"/>
+          </ac:picMkLst>
+        </pc:picChg>
+        <pc:picChg chg="add mod">
+          <ac:chgData name="Martin Bateman &lt;School of Physical Sciences &amp; Computing&gt;" userId="341d4b5b-c856-4d42-b8e6-34aa97a804ab" providerId="ADAL" clId="{3251757D-3D47-4F5B-840A-A9D4E18769B9}" dt="2020-04-20T11:17:49.206" v="285" actId="1076"/>
+          <ac:picMkLst>
+            <pc:docMk/>
+            <pc:sldMk cId="3121580781" sldId="276"/>
+            <ac:picMk id="1028" creationId="{6B954875-9AB5-4F0C-AA11-87E0D94E98D5}"/>
+          </ac:picMkLst>
+        </pc:picChg>
+        <pc:picChg chg="add mod">
+          <ac:chgData name="Martin Bateman &lt;School of Physical Sciences &amp; Computing&gt;" userId="341d4b5b-c856-4d42-b8e6-34aa97a804ab" providerId="ADAL" clId="{3251757D-3D47-4F5B-840A-A9D4E18769B9}" dt="2020-04-20T11:15:41.598" v="216" actId="1076"/>
+          <ac:picMkLst>
+            <pc:docMk/>
+            <pc:sldMk cId="3121580781" sldId="276"/>
+            <ac:picMk id="1030" creationId="{3F786484-0DB2-4C0C-9F4C-17DA13421CF1}"/>
+          </ac:picMkLst>
+        </pc:picChg>
+        <pc:picChg chg="add mod">
+          <ac:chgData name="Martin Bateman &lt;School of Physical Sciences &amp; Computing&gt;" userId="341d4b5b-c856-4d42-b8e6-34aa97a804ab" providerId="ADAL" clId="{3251757D-3D47-4F5B-840A-A9D4E18769B9}" dt="2020-04-20T11:17:49.902" v="286" actId="1076"/>
+          <ac:picMkLst>
+            <pc:docMk/>
+            <pc:sldMk cId="3121580781" sldId="276"/>
+            <ac:picMk id="1032" creationId="{5B003B5D-5374-4130-9DAA-72899F813448}"/>
+          </ac:picMkLst>
+        </pc:picChg>
+        <pc:picChg chg="add mod">
+          <ac:chgData name="Martin Bateman &lt;School of Physical Sciences &amp; Computing&gt;" userId="341d4b5b-c856-4d42-b8e6-34aa97a804ab" providerId="ADAL" clId="{3251757D-3D47-4F5B-840A-A9D4E18769B9}" dt="2020-04-20T11:17:54.092" v="291" actId="1076"/>
+          <ac:picMkLst>
+            <pc:docMk/>
+            <pc:sldMk cId="3121580781" sldId="276"/>
+            <ac:picMk id="1034" creationId="{C5A74FCC-3402-4F0C-B3A3-F1D5FD9ACE32}"/>
+          </ac:picMkLst>
+        </pc:picChg>
+        <pc:picChg chg="add mod">
+          <ac:chgData name="Martin Bateman &lt;School of Physical Sciences &amp; Computing&gt;" userId="341d4b5b-c856-4d42-b8e6-34aa97a804ab" providerId="ADAL" clId="{3251757D-3D47-4F5B-840A-A9D4E18769B9}" dt="2020-04-20T11:17:50.620" v="287" actId="1076"/>
+          <ac:picMkLst>
+            <pc:docMk/>
+            <pc:sldMk cId="3121580781" sldId="276"/>
+            <ac:picMk id="1036" creationId="{A59B3E15-1D6F-4D3C-8182-944D2805A177}"/>
+          </ac:picMkLst>
+        </pc:picChg>
+        <pc:picChg chg="add mod">
+          <ac:chgData name="Martin Bateman &lt;School of Physical Sciences &amp; Computing&gt;" userId="341d4b5b-c856-4d42-b8e6-34aa97a804ab" providerId="ADAL" clId="{3251757D-3D47-4F5B-840A-A9D4E18769B9}" dt="2020-04-20T11:15:37.513" v="211" actId="1076"/>
+          <ac:picMkLst>
+            <pc:docMk/>
+            <pc:sldMk cId="3121580781" sldId="276"/>
+            <ac:picMk id="1038" creationId="{FAABDC9E-A3A0-4CFC-B772-BA73A99CF001}"/>
+          </ac:picMkLst>
+        </pc:picChg>
+        <pc:picChg chg="add del mod">
+          <ac:chgData name="Martin Bateman &lt;School of Physical Sciences &amp; Computing&gt;" userId="341d4b5b-c856-4d42-b8e6-34aa97a804ab" providerId="ADAL" clId="{3251757D-3D47-4F5B-840A-A9D4E18769B9}" dt="2020-04-20T11:13:40.857" v="128" actId="478"/>
+          <ac:picMkLst>
+            <pc:docMk/>
+            <pc:sldMk cId="3121580781" sldId="276"/>
+            <ac:picMk id="1040" creationId="{296D0D0F-5061-4330-87D3-097EE19CCCB6}"/>
+          </ac:picMkLst>
+        </pc:picChg>
+        <pc:picChg chg="add del mod">
+          <ac:chgData name="Martin Bateman &lt;School of Physical Sciences &amp; Computing&gt;" userId="341d4b5b-c856-4d42-b8e6-34aa97a804ab" providerId="ADAL" clId="{3251757D-3D47-4F5B-840A-A9D4E18769B9}" dt="2020-04-20T11:13:39.716" v="127" actId="478"/>
+          <ac:picMkLst>
+            <pc:docMk/>
+            <pc:sldMk cId="3121580781" sldId="276"/>
+            <ac:picMk id="1042" creationId="{D7997BB7-7FF6-4180-9A5F-28F1D0671CCD}"/>
+          </ac:picMkLst>
+        </pc:picChg>
+        <pc:picChg chg="add mod">
+          <ac:chgData name="Martin Bateman &lt;School of Physical Sciences &amp; Computing&gt;" userId="341d4b5b-c856-4d42-b8e6-34aa97a804ab" providerId="ADAL" clId="{3251757D-3D47-4F5B-840A-A9D4E18769B9}" dt="2020-04-20T11:17:53.377" v="290" actId="1076"/>
+          <ac:picMkLst>
+            <pc:docMk/>
+            <pc:sldMk cId="3121580781" sldId="276"/>
+            <ac:picMk id="1044" creationId="{99C72E36-2421-46AA-BB57-72A5C4EAAA4D}"/>
+          </ac:picMkLst>
+        </pc:picChg>
+        <pc:picChg chg="add mod">
+          <ac:chgData name="Martin Bateman &lt;School of Physical Sciences &amp; Computing&gt;" userId="341d4b5b-c856-4d42-b8e6-34aa97a804ab" providerId="ADAL" clId="{3251757D-3D47-4F5B-840A-A9D4E18769B9}" dt="2020-04-20T11:16:20.102" v="228" actId="1076"/>
+          <ac:picMkLst>
+            <pc:docMk/>
+            <pc:sldMk cId="3121580781" sldId="276"/>
+            <ac:picMk id="1046" creationId="{6CC618B7-55EF-490B-9D62-84C22FF7B6B6}"/>
+          </ac:picMkLst>
+        </pc:picChg>
+        <pc:picChg chg="add mod">
+          <ac:chgData name="Martin Bateman &lt;School of Physical Sciences &amp; Computing&gt;" userId="341d4b5b-c856-4d42-b8e6-34aa97a804ab" providerId="ADAL" clId="{3251757D-3D47-4F5B-840A-A9D4E18769B9}" dt="2020-04-20T11:17:52.504" v="289" actId="1076"/>
+          <ac:picMkLst>
+            <pc:docMk/>
+            <pc:sldMk cId="3121580781" sldId="276"/>
+            <ac:picMk id="1048" creationId="{A7544B9C-F4F9-4B5F-91F4-ACEF7968B121}"/>
+          </ac:picMkLst>
+        </pc:picChg>
+        <pc:picChg chg="add mod">
+          <ac:chgData name="Martin Bateman &lt;School of Physical Sciences &amp; Computing&gt;" userId="341d4b5b-c856-4d42-b8e6-34aa97a804ab" providerId="ADAL" clId="{3251757D-3D47-4F5B-840A-A9D4E18769B9}" dt="2020-04-20T11:15:57.920" v="220" actId="1076"/>
+          <ac:picMkLst>
+            <pc:docMk/>
+            <pc:sldMk cId="3121580781" sldId="276"/>
+            <ac:picMk id="1050" creationId="{831B455A-CA07-4DC4-9AD2-BE40FC3CB640}"/>
+          </ac:picMkLst>
+        </pc:picChg>
+        <pc:picChg chg="add mod">
+          <ac:chgData name="Martin Bateman &lt;School of Physical Sciences &amp; Computing&gt;" userId="341d4b5b-c856-4d42-b8e6-34aa97a804ab" providerId="ADAL" clId="{3251757D-3D47-4F5B-840A-A9D4E18769B9}" dt="2020-04-20T11:16:18.842" v="227" actId="1076"/>
+          <ac:picMkLst>
+            <pc:docMk/>
+            <pc:sldMk cId="3121580781" sldId="276"/>
+            <ac:picMk id="1052" creationId="{D84B766B-97F7-4022-952A-03DD536442AE}"/>
+          </ac:picMkLst>
+        </pc:picChg>
       </pc:sldChg>
     </pc:docChg>
   </pc:docChgLst>
@@ -1783,7 +1975,18 @@
           <a:bodyPr/>
           <a:lstStyle/>
           <a:p>
-            <a:endParaRPr lang="en-GB" dirty="0"/>
+            <a:r>
+              <a:rPr lang="en-GB" dirty="0"/>
+              <a:t>Cast your mind back to the Internet of 2004. This was pre </a:t>
+            </a:r>
+            <a:r>
+              <a:rPr lang="en-GB" dirty="0" err="1"/>
+              <a:t>youtube</a:t>
+            </a:r>
+            <a:r>
+              <a:rPr lang="en-GB" dirty="0"/>
+              <a:t> and broadband was just going mainstream. </a:t>
+            </a:r>
           </a:p>
         </p:txBody>
       </p:sp>
@@ -2188,6 +2391,177 @@
     <p:extLst>
       <p:ext uri="{BB962C8B-B14F-4D97-AF65-F5344CB8AC3E}">
         <p14:creationId xmlns:p14="http://schemas.microsoft.com/office/powerpoint/2010/main" val="1131185969"/>
+      </p:ext>
+    </p:extLst>
+  </p:cSld>
+  <p:clrMapOvr>
+    <a:masterClrMapping/>
+  </p:clrMapOvr>
+</p:notes>
+</file>
+
+<file path=ppt/notesSlides/notesSlide14.xml><?xml version="1.0" encoding="utf-8"?>
+<p:notes xmlns:a="http://schemas.openxmlformats.org/drawingml/2006/main" xmlns:r="http://schemas.openxmlformats.org/officeDocument/2006/relationships" xmlns:p="http://schemas.openxmlformats.org/presentationml/2006/main">
+  <p:cSld>
+    <p:spTree>
+      <p:nvGrpSpPr>
+        <p:cNvPr id="1" name=""/>
+        <p:cNvGrpSpPr/>
+        <p:nvPr/>
+      </p:nvGrpSpPr>
+      <p:grpSpPr>
+        <a:xfrm>
+          <a:off x="0" y="0"/>
+          <a:ext cx="0" cy="0"/>
+          <a:chOff x="0" y="0"/>
+          <a:chExt cx="0" cy="0"/>
+        </a:xfrm>
+      </p:grpSpPr>
+      <p:sp>
+        <p:nvSpPr>
+          <p:cNvPr id="2" name="Slide Image Placeholder 1"/>
+          <p:cNvSpPr>
+            <a:spLocks noGrp="1" noRot="1" noChangeAspect="1"/>
+          </p:cNvSpPr>
+          <p:nvPr>
+            <p:ph type="sldImg"/>
+          </p:nvPr>
+        </p:nvSpPr>
+        <p:spPr/>
+      </p:sp>
+      <p:sp>
+        <p:nvSpPr>
+          <p:cNvPr id="3" name="Notes Placeholder 2"/>
+          <p:cNvSpPr>
+            <a:spLocks noGrp="1"/>
+          </p:cNvSpPr>
+          <p:nvPr>
+            <p:ph type="body" idx="1"/>
+          </p:nvPr>
+        </p:nvSpPr>
+        <p:spPr/>
+        <p:txBody>
+          <a:bodyPr/>
+          <a:lstStyle/>
+          <a:p>
+            <a:r>
+              <a:rPr lang="en-GB" dirty="0"/>
+              <a:t>2004 was a really good year for people that like quick access to entertainment. It led to wide spread adoption of streaming video and music. In the years following 2004 the argument was made that the entertainment industry had to make access to movies and music easier than pirating it which they pretty much have, if you are willing to pay for the service. </a:t>
+            </a:r>
+          </a:p>
+        </p:txBody>
+      </p:sp>
+      <p:sp>
+        <p:nvSpPr>
+          <p:cNvPr id="4" name="Slide Number Placeholder 3"/>
+          <p:cNvSpPr>
+            <a:spLocks noGrp="1"/>
+          </p:cNvSpPr>
+          <p:nvPr>
+            <p:ph type="sldNum" sz="quarter" idx="5"/>
+          </p:nvPr>
+        </p:nvSpPr>
+        <p:spPr/>
+        <p:txBody>
+          <a:bodyPr/>
+          <a:lstStyle/>
+          <a:p>
+            <a:fld id="{C7D65744-68A1-4D97-AE2F-950B7B3DCC7C}" type="slidenum">
+              <a:rPr lang="en-GB" smtClean="0"/>
+              <a:t>16</a:t>
+            </a:fld>
+            <a:endParaRPr lang="en-GB"/>
+          </a:p>
+        </p:txBody>
+      </p:sp>
+    </p:spTree>
+    <p:extLst>
+      <p:ext uri="{BB962C8B-B14F-4D97-AF65-F5344CB8AC3E}">
+        <p14:creationId xmlns:p14="http://schemas.microsoft.com/office/powerpoint/2010/main" val="323537538"/>
+      </p:ext>
+    </p:extLst>
+  </p:cSld>
+  <p:clrMapOvr>
+    <a:masterClrMapping/>
+  </p:clrMapOvr>
+</p:notes>
+</file>
+
+<file path=ppt/notesSlides/notesSlide15.xml><?xml version="1.0" encoding="utf-8"?>
+<p:notes xmlns:a="http://schemas.openxmlformats.org/drawingml/2006/main" xmlns:r="http://schemas.openxmlformats.org/officeDocument/2006/relationships" xmlns:p="http://schemas.openxmlformats.org/presentationml/2006/main">
+  <p:cSld>
+    <p:spTree>
+      <p:nvGrpSpPr>
+        <p:cNvPr id="1" name=""/>
+        <p:cNvGrpSpPr/>
+        <p:nvPr/>
+      </p:nvGrpSpPr>
+      <p:grpSpPr>
+        <a:xfrm>
+          <a:off x="0" y="0"/>
+          <a:ext cx="0" cy="0"/>
+          <a:chOff x="0" y="0"/>
+          <a:chExt cx="0" cy="0"/>
+        </a:xfrm>
+      </p:grpSpPr>
+      <p:sp>
+        <p:nvSpPr>
+          <p:cNvPr id="2" name="Slide Image Placeholder 1"/>
+          <p:cNvSpPr>
+            <a:spLocks noGrp="1" noRot="1" noChangeAspect="1"/>
+          </p:cNvSpPr>
+          <p:nvPr>
+            <p:ph type="sldImg"/>
+          </p:nvPr>
+        </p:nvSpPr>
+        <p:spPr/>
+      </p:sp>
+      <p:sp>
+        <p:nvSpPr>
+          <p:cNvPr id="3" name="Notes Placeholder 2"/>
+          <p:cNvSpPr>
+            <a:spLocks noGrp="1"/>
+          </p:cNvSpPr>
+          <p:nvPr>
+            <p:ph type="body" idx="1"/>
+          </p:nvPr>
+        </p:nvSpPr>
+        <p:spPr/>
+        <p:txBody>
+          <a:bodyPr/>
+          <a:lstStyle/>
+          <a:p>
+            <a:endParaRPr lang="en-GB" dirty="0"/>
+          </a:p>
+        </p:txBody>
+      </p:sp>
+      <p:sp>
+        <p:nvSpPr>
+          <p:cNvPr id="4" name="Slide Number Placeholder 3"/>
+          <p:cNvSpPr>
+            <a:spLocks noGrp="1"/>
+          </p:cNvSpPr>
+          <p:nvPr>
+            <p:ph type="sldNum" sz="quarter" idx="5"/>
+          </p:nvPr>
+        </p:nvSpPr>
+        <p:spPr/>
+        <p:txBody>
+          <a:bodyPr/>
+          <a:lstStyle/>
+          <a:p>
+            <a:fld id="{C7D65744-68A1-4D97-AE2F-950B7B3DCC7C}" type="slidenum">
+              <a:rPr lang="en-GB" smtClean="0"/>
+              <a:t>17</a:t>
+            </a:fld>
+            <a:endParaRPr lang="en-GB"/>
+          </a:p>
+        </p:txBody>
+      </p:sp>
+    </p:spTree>
+    <p:extLst>
+      <p:ext uri="{BB962C8B-B14F-4D97-AF65-F5344CB8AC3E}">
+        <p14:creationId xmlns:p14="http://schemas.microsoft.com/office/powerpoint/2010/main" val="933710557"/>
       </p:ext>
     </p:extLst>
   </p:cSld>
@@ -6421,6 +6795,44 @@
           </a:p>
         </p:txBody>
       </p:sp>
+      <p:sp>
+        <p:nvSpPr>
+          <p:cNvPr id="4" name="TextBox 3">
+            <a:extLst>
+              <a:ext uri="{FF2B5EF4-FFF2-40B4-BE49-F238E27FC236}">
+                <a16:creationId xmlns:a16="http://schemas.microsoft.com/office/drawing/2014/main" id="{130A9140-8FB0-4CEF-B2A8-8F15BC74D4A0}"/>
+              </a:ext>
+            </a:extLst>
+          </p:cNvPr>
+          <p:cNvSpPr txBox="1"/>
+          <p:nvPr/>
+        </p:nvSpPr>
+        <p:spPr>
+          <a:xfrm>
+            <a:off x="3276541" y="6413645"/>
+            <a:ext cx="5638916" cy="369332"/>
+          </a:xfrm>
+          <a:prstGeom prst="rect">
+            <a:avLst/>
+          </a:prstGeom>
+          <a:noFill/>
+        </p:spPr>
+        <p:txBody>
+          <a:bodyPr wrap="none" rtlCol="0">
+            <a:spAutoFit/>
+          </a:bodyPr>
+          <a:lstStyle/>
+          <a:p>
+            <a:r>
+              <a:rPr lang="en-GB" dirty="0">
+                <a:hlinkClick r:id="rId4"/>
+              </a:rPr>
+              <a:t>https://martinbateman.github.io/talks/rjam20-4-2020.pdf</a:t>
+            </a:r>
+            <a:endParaRPr lang="en-GB" dirty="0"/>
+          </a:p>
+        </p:txBody>
+      </p:sp>
     </p:spTree>
     <p:extLst>
       <p:ext uri="{BB962C8B-B14F-4D97-AF65-F5344CB8AC3E}">
@@ -7195,6 +7607,600 @@
           <a:chExt cx="0" cy="0"/>
         </a:xfrm>
       </p:grpSpPr>
+      <p:pic>
+        <p:nvPicPr>
+          <p:cNvPr id="1026" name="Picture 2">
+            <a:extLst>
+              <a:ext uri="{FF2B5EF4-FFF2-40B4-BE49-F238E27FC236}">
+                <a16:creationId xmlns:a16="http://schemas.microsoft.com/office/drawing/2014/main" id="{20E4DEE9-9968-47CA-B833-ECC072983340}"/>
+              </a:ext>
+            </a:extLst>
+          </p:cNvPr>
+          <p:cNvPicPr>
+            <a:picLocks noChangeAspect="1" noChangeArrowheads="1"/>
+          </p:cNvPicPr>
+          <p:nvPr/>
+        </p:nvPicPr>
+        <p:blipFill>
+          <a:blip r:embed="rId3">
+            <a:extLst>
+              <a:ext uri="{28A0092B-C50C-407E-A947-70E740481C1C}">
+                <a14:useLocalDpi xmlns:a14="http://schemas.microsoft.com/office/drawing/2010/main" val="0"/>
+              </a:ext>
+            </a:extLst>
+          </a:blip>
+          <a:srcRect/>
+          <a:stretch>
+            <a:fillRect/>
+          </a:stretch>
+        </p:blipFill>
+        <p:spPr bwMode="auto">
+          <a:xfrm>
+            <a:off x="6331640" y="3667501"/>
+            <a:ext cx="1619250" cy="438150"/>
+          </a:xfrm>
+          <a:prstGeom prst="rect">
+            <a:avLst/>
+          </a:prstGeom>
+          <a:noFill/>
+          <a:extLst>
+            <a:ext uri="{909E8E84-426E-40DD-AFC4-6F175D3DCCD1}">
+              <a14:hiddenFill xmlns:a14="http://schemas.microsoft.com/office/drawing/2010/main">
+                <a:solidFill>
+                  <a:srgbClr val="FFFFFF"/>
+                </a:solidFill>
+              </a14:hiddenFill>
+            </a:ext>
+          </a:extLst>
+        </p:spPr>
+      </p:pic>
+      <p:pic>
+        <p:nvPicPr>
+          <p:cNvPr id="1028" name="Picture 4">
+            <a:extLst>
+              <a:ext uri="{FF2B5EF4-FFF2-40B4-BE49-F238E27FC236}">
+                <a16:creationId xmlns:a16="http://schemas.microsoft.com/office/drawing/2014/main" id="{6B954875-9AB5-4F0C-AA11-87E0D94E98D5}"/>
+              </a:ext>
+            </a:extLst>
+          </p:cNvPr>
+          <p:cNvPicPr>
+            <a:picLocks noChangeAspect="1" noChangeArrowheads="1"/>
+          </p:cNvPicPr>
+          <p:nvPr/>
+        </p:nvPicPr>
+        <p:blipFill>
+          <a:blip r:embed="rId4">
+            <a:extLst>
+              <a:ext uri="{28A0092B-C50C-407E-A947-70E740481C1C}">
+                <a14:useLocalDpi xmlns:a14="http://schemas.microsoft.com/office/drawing/2010/main" val="0"/>
+              </a:ext>
+            </a:extLst>
+          </a:blip>
+          <a:srcRect/>
+          <a:stretch>
+            <a:fillRect/>
+          </a:stretch>
+        </p:blipFill>
+        <p:spPr bwMode="auto">
+          <a:xfrm>
+            <a:off x="6277390" y="1375361"/>
+            <a:ext cx="1619250" cy="876300"/>
+          </a:xfrm>
+          <a:prstGeom prst="rect">
+            <a:avLst/>
+          </a:prstGeom>
+          <a:noFill/>
+          <a:extLst>
+            <a:ext uri="{909E8E84-426E-40DD-AFC4-6F175D3DCCD1}">
+              <a14:hiddenFill xmlns:a14="http://schemas.microsoft.com/office/drawing/2010/main">
+                <a:solidFill>
+                  <a:srgbClr val="FFFFFF"/>
+                </a:solidFill>
+              </a14:hiddenFill>
+            </a:ext>
+          </a:extLst>
+        </p:spPr>
+      </p:pic>
+      <p:pic>
+        <p:nvPicPr>
+          <p:cNvPr id="1030" name="Picture 6">
+            <a:extLst>
+              <a:ext uri="{FF2B5EF4-FFF2-40B4-BE49-F238E27FC236}">
+                <a16:creationId xmlns:a16="http://schemas.microsoft.com/office/drawing/2014/main" id="{3F786484-0DB2-4C0C-9F4C-17DA13421CF1}"/>
+              </a:ext>
+            </a:extLst>
+          </p:cNvPr>
+          <p:cNvPicPr>
+            <a:picLocks noChangeAspect="1" noChangeArrowheads="1"/>
+          </p:cNvPicPr>
+          <p:nvPr/>
+        </p:nvPicPr>
+        <p:blipFill>
+          <a:blip r:embed="rId5">
+            <a:extLst>
+              <a:ext uri="{28A0092B-C50C-407E-A947-70E740481C1C}">
+                <a14:useLocalDpi xmlns:a14="http://schemas.microsoft.com/office/drawing/2010/main" val="0"/>
+              </a:ext>
+            </a:extLst>
+          </a:blip>
+          <a:srcRect/>
+          <a:stretch>
+            <a:fillRect/>
+          </a:stretch>
+        </p:blipFill>
+        <p:spPr bwMode="auto">
+          <a:xfrm>
+            <a:off x="1240115" y="1887384"/>
+            <a:ext cx="2143125" cy="657225"/>
+          </a:xfrm>
+          <a:prstGeom prst="rect">
+            <a:avLst/>
+          </a:prstGeom>
+          <a:noFill/>
+          <a:extLst>
+            <a:ext uri="{909E8E84-426E-40DD-AFC4-6F175D3DCCD1}">
+              <a14:hiddenFill xmlns:a14="http://schemas.microsoft.com/office/drawing/2010/main">
+                <a:solidFill>
+                  <a:srgbClr val="FFFFFF"/>
+                </a:solidFill>
+              </a14:hiddenFill>
+            </a:ext>
+          </a:extLst>
+        </p:spPr>
+      </p:pic>
+      <p:pic>
+        <p:nvPicPr>
+          <p:cNvPr id="1032" name="Picture 8">
+            <a:extLst>
+              <a:ext uri="{FF2B5EF4-FFF2-40B4-BE49-F238E27FC236}">
+                <a16:creationId xmlns:a16="http://schemas.microsoft.com/office/drawing/2014/main" id="{5B003B5D-5374-4130-9DAA-72899F813448}"/>
+              </a:ext>
+            </a:extLst>
+          </p:cNvPr>
+          <p:cNvPicPr>
+            <a:picLocks noChangeAspect="1" noChangeArrowheads="1"/>
+          </p:cNvPicPr>
+          <p:nvPr/>
+        </p:nvPicPr>
+        <p:blipFill>
+          <a:blip r:embed="rId6">
+            <a:extLst>
+              <a:ext uri="{28A0092B-C50C-407E-A947-70E740481C1C}">
+                <a14:useLocalDpi xmlns:a14="http://schemas.microsoft.com/office/drawing/2010/main" val="0"/>
+              </a:ext>
+            </a:extLst>
+          </a:blip>
+          <a:srcRect/>
+          <a:stretch>
+            <a:fillRect/>
+          </a:stretch>
+        </p:blipFill>
+        <p:spPr bwMode="auto">
+          <a:xfrm>
+            <a:off x="9083537" y="1668309"/>
+            <a:ext cx="1905000" cy="438150"/>
+          </a:xfrm>
+          <a:prstGeom prst="rect">
+            <a:avLst/>
+          </a:prstGeom>
+          <a:noFill/>
+          <a:extLst>
+            <a:ext uri="{909E8E84-426E-40DD-AFC4-6F175D3DCCD1}">
+              <a14:hiddenFill xmlns:a14="http://schemas.microsoft.com/office/drawing/2010/main">
+                <a:solidFill>
+                  <a:srgbClr val="FFFFFF"/>
+                </a:solidFill>
+              </a14:hiddenFill>
+            </a:ext>
+          </a:extLst>
+        </p:spPr>
+      </p:pic>
+      <p:pic>
+        <p:nvPicPr>
+          <p:cNvPr id="1034" name="Picture 10" descr="The YouTube logo is made of a red round-rectangular box with a white &quot;play&quot; button inside and the word &quot;YouTube&quot; written in black.">
+            <a:extLst>
+              <a:ext uri="{FF2B5EF4-FFF2-40B4-BE49-F238E27FC236}">
+                <a16:creationId xmlns:a16="http://schemas.microsoft.com/office/drawing/2014/main" id="{C5A74FCC-3402-4F0C-B3A3-F1D5FD9ACE32}"/>
+              </a:ext>
+            </a:extLst>
+          </p:cNvPr>
+          <p:cNvPicPr>
+            <a:picLocks noChangeAspect="1" noChangeArrowheads="1"/>
+          </p:cNvPicPr>
+          <p:nvPr/>
+        </p:nvPicPr>
+        <p:blipFill>
+          <a:blip r:embed="rId7">
+            <a:extLst>
+              <a:ext uri="{28A0092B-C50C-407E-A947-70E740481C1C}">
+                <a14:useLocalDpi xmlns:a14="http://schemas.microsoft.com/office/drawing/2010/main" val="0"/>
+              </a:ext>
+            </a:extLst>
+          </a:blip>
+          <a:srcRect/>
+          <a:stretch>
+            <a:fillRect/>
+          </a:stretch>
+        </p:blipFill>
+        <p:spPr bwMode="auto">
+          <a:xfrm>
+            <a:off x="4191000" y="4816346"/>
+            <a:ext cx="1905000" cy="428625"/>
+          </a:xfrm>
+          <a:prstGeom prst="rect">
+            <a:avLst/>
+          </a:prstGeom>
+          <a:noFill/>
+          <a:extLst>
+            <a:ext uri="{909E8E84-426E-40DD-AFC4-6F175D3DCCD1}">
+              <a14:hiddenFill xmlns:a14="http://schemas.microsoft.com/office/drawing/2010/main">
+                <a:solidFill>
+                  <a:srgbClr val="FFFFFF"/>
+                </a:solidFill>
+              </a14:hiddenFill>
+            </a:ext>
+          </a:extLst>
+        </p:spPr>
+      </p:pic>
+      <p:pic>
+        <p:nvPicPr>
+          <p:cNvPr id="1036" name="Picture 12">
+            <a:extLst>
+              <a:ext uri="{FF2B5EF4-FFF2-40B4-BE49-F238E27FC236}">
+                <a16:creationId xmlns:a16="http://schemas.microsoft.com/office/drawing/2014/main" id="{A59B3E15-1D6F-4D3C-8182-944D2805A177}"/>
+              </a:ext>
+            </a:extLst>
+          </p:cNvPr>
+          <p:cNvPicPr>
+            <a:picLocks noChangeAspect="1" noChangeArrowheads="1"/>
+          </p:cNvPicPr>
+          <p:nvPr/>
+        </p:nvPicPr>
+        <p:blipFill>
+          <a:blip r:embed="rId8">
+            <a:extLst>
+              <a:ext uri="{28A0092B-C50C-407E-A947-70E740481C1C}">
+                <a14:useLocalDpi xmlns:a14="http://schemas.microsoft.com/office/drawing/2010/main" val="0"/>
+              </a:ext>
+            </a:extLst>
+          </a:blip>
+          <a:srcRect/>
+          <a:stretch>
+            <a:fillRect/>
+          </a:stretch>
+        </p:blipFill>
+        <p:spPr bwMode="auto">
+          <a:xfrm>
+            <a:off x="8722001" y="3085771"/>
+            <a:ext cx="2381250" cy="400050"/>
+          </a:xfrm>
+          <a:prstGeom prst="rect">
+            <a:avLst/>
+          </a:prstGeom>
+          <a:noFill/>
+          <a:extLst>
+            <a:ext uri="{909E8E84-426E-40DD-AFC4-6F175D3DCCD1}">
+              <a14:hiddenFill xmlns:a14="http://schemas.microsoft.com/office/drawing/2010/main">
+                <a:solidFill>
+                  <a:srgbClr val="FFFFFF"/>
+                </a:solidFill>
+              </a14:hiddenFill>
+            </a:ext>
+          </a:extLst>
+        </p:spPr>
+      </p:pic>
+      <p:pic>
+        <p:nvPicPr>
+          <p:cNvPr id="1038" name="Picture 14">
+            <a:extLst>
+              <a:ext uri="{FF2B5EF4-FFF2-40B4-BE49-F238E27FC236}">
+                <a16:creationId xmlns:a16="http://schemas.microsoft.com/office/drawing/2014/main" id="{FAABDC9E-A3A0-4CFC-B772-BA73A99CF001}"/>
+              </a:ext>
+            </a:extLst>
+          </p:cNvPr>
+          <p:cNvPicPr>
+            <a:picLocks noChangeAspect="1" noChangeArrowheads="1"/>
+          </p:cNvPicPr>
+          <p:nvPr/>
+        </p:nvPicPr>
+        <p:blipFill>
+          <a:blip r:embed="rId9">
+            <a:extLst>
+              <a:ext uri="{28A0092B-C50C-407E-A947-70E740481C1C}">
+                <a14:useLocalDpi xmlns:a14="http://schemas.microsoft.com/office/drawing/2010/main" val="0"/>
+              </a:ext>
+            </a:extLst>
+          </a:blip>
+          <a:srcRect/>
+          <a:stretch>
+            <a:fillRect/>
+          </a:stretch>
+        </p:blipFill>
+        <p:spPr bwMode="auto">
+          <a:xfrm>
+            <a:off x="3584301" y="1045508"/>
+            <a:ext cx="1428750" cy="1057275"/>
+          </a:xfrm>
+          <a:prstGeom prst="rect">
+            <a:avLst/>
+          </a:prstGeom>
+          <a:noFill/>
+          <a:extLst>
+            <a:ext uri="{909E8E84-426E-40DD-AFC4-6F175D3DCCD1}">
+              <a14:hiddenFill xmlns:a14="http://schemas.microsoft.com/office/drawing/2010/main">
+                <a:solidFill>
+                  <a:srgbClr val="FFFFFF"/>
+                </a:solidFill>
+              </a14:hiddenFill>
+            </a:ext>
+          </a:extLst>
+        </p:spPr>
+      </p:pic>
+      <p:pic>
+        <p:nvPicPr>
+          <p:cNvPr id="1044" name="Picture 20">
+            <a:extLst>
+              <a:ext uri="{FF2B5EF4-FFF2-40B4-BE49-F238E27FC236}">
+                <a16:creationId xmlns:a16="http://schemas.microsoft.com/office/drawing/2014/main" id="{99C72E36-2421-46AA-BB57-72A5C4EAAA4D}"/>
+              </a:ext>
+            </a:extLst>
+          </p:cNvPr>
+          <p:cNvPicPr>
+            <a:picLocks noChangeAspect="1" noChangeArrowheads="1"/>
+          </p:cNvPicPr>
+          <p:nvPr/>
+        </p:nvPicPr>
+        <p:blipFill>
+          <a:blip r:embed="rId10">
+            <a:extLst>
+              <a:ext uri="{28A0092B-C50C-407E-A947-70E740481C1C}">
+                <a14:useLocalDpi xmlns:a14="http://schemas.microsoft.com/office/drawing/2010/main" val="0"/>
+              </a:ext>
+            </a:extLst>
+          </a:blip>
+          <a:srcRect/>
+          <a:stretch>
+            <a:fillRect/>
+          </a:stretch>
+        </p:blipFill>
+        <p:spPr bwMode="auto">
+          <a:xfrm>
+            <a:off x="6702287" y="5482639"/>
+            <a:ext cx="2381250" cy="904875"/>
+          </a:xfrm>
+          <a:prstGeom prst="rect">
+            <a:avLst/>
+          </a:prstGeom>
+          <a:noFill/>
+          <a:extLst>
+            <a:ext uri="{909E8E84-426E-40DD-AFC4-6F175D3DCCD1}">
+              <a14:hiddenFill xmlns:a14="http://schemas.microsoft.com/office/drawing/2010/main">
+                <a:solidFill>
+                  <a:srgbClr val="FFFFFF"/>
+                </a:solidFill>
+              </a14:hiddenFill>
+            </a:ext>
+          </a:extLst>
+        </p:spPr>
+      </p:pic>
+      <p:pic>
+        <p:nvPicPr>
+          <p:cNvPr id="1046" name="Picture 22">
+            <a:extLst>
+              <a:ext uri="{FF2B5EF4-FFF2-40B4-BE49-F238E27FC236}">
+                <a16:creationId xmlns:a16="http://schemas.microsoft.com/office/drawing/2014/main" id="{6CC618B7-55EF-490B-9D62-84C22FF7B6B6}"/>
+              </a:ext>
+            </a:extLst>
+          </p:cNvPr>
+          <p:cNvPicPr>
+            <a:picLocks noChangeAspect="1" noChangeArrowheads="1"/>
+          </p:cNvPicPr>
+          <p:nvPr/>
+        </p:nvPicPr>
+        <p:blipFill>
+          <a:blip r:embed="rId11">
+            <a:extLst>
+              <a:ext uri="{28A0092B-C50C-407E-A947-70E740481C1C}">
+                <a14:useLocalDpi xmlns:a14="http://schemas.microsoft.com/office/drawing/2010/main" val="0"/>
+              </a:ext>
+            </a:extLst>
+          </a:blip>
+          <a:srcRect/>
+          <a:stretch>
+            <a:fillRect/>
+          </a:stretch>
+        </p:blipFill>
+        <p:spPr bwMode="auto">
+          <a:xfrm>
+            <a:off x="377790" y="3522817"/>
+            <a:ext cx="2381250" cy="790575"/>
+          </a:xfrm>
+          <a:prstGeom prst="rect">
+            <a:avLst/>
+          </a:prstGeom>
+          <a:noFill/>
+          <a:extLst>
+            <a:ext uri="{909E8E84-426E-40DD-AFC4-6F175D3DCCD1}">
+              <a14:hiddenFill xmlns:a14="http://schemas.microsoft.com/office/drawing/2010/main">
+                <a:solidFill>
+                  <a:srgbClr val="FFFFFF"/>
+                </a:solidFill>
+              </a14:hiddenFill>
+            </a:ext>
+          </a:extLst>
+        </p:spPr>
+      </p:pic>
+      <p:pic>
+        <p:nvPicPr>
+          <p:cNvPr id="1048" name="Picture 24">
+            <a:extLst>
+              <a:ext uri="{FF2B5EF4-FFF2-40B4-BE49-F238E27FC236}">
+                <a16:creationId xmlns:a16="http://schemas.microsoft.com/office/drawing/2014/main" id="{A7544B9C-F4F9-4B5F-91F4-ACEF7968B121}"/>
+              </a:ext>
+            </a:extLst>
+          </p:cNvPr>
+          <p:cNvPicPr>
+            <a:picLocks noChangeAspect="1" noChangeArrowheads="1"/>
+          </p:cNvPicPr>
+          <p:nvPr/>
+        </p:nvPicPr>
+        <p:blipFill>
+          <a:blip r:embed="rId12">
+            <a:extLst>
+              <a:ext uri="{28A0092B-C50C-407E-A947-70E740481C1C}">
+                <a14:useLocalDpi xmlns:a14="http://schemas.microsoft.com/office/drawing/2010/main" val="0"/>
+              </a:ext>
+            </a:extLst>
+          </a:blip>
+          <a:srcRect/>
+          <a:stretch>
+            <a:fillRect/>
+          </a:stretch>
+        </p:blipFill>
+        <p:spPr bwMode="auto">
+          <a:xfrm>
+            <a:off x="8722001" y="4454173"/>
+            <a:ext cx="2381250" cy="628650"/>
+          </a:xfrm>
+          <a:prstGeom prst="rect">
+            <a:avLst/>
+          </a:prstGeom>
+          <a:noFill/>
+          <a:extLst>
+            <a:ext uri="{909E8E84-426E-40DD-AFC4-6F175D3DCCD1}">
+              <a14:hiddenFill xmlns:a14="http://schemas.microsoft.com/office/drawing/2010/main">
+                <a:solidFill>
+                  <a:srgbClr val="FFFFFF"/>
+                </a:solidFill>
+              </a14:hiddenFill>
+            </a:ext>
+          </a:extLst>
+        </p:spPr>
+      </p:pic>
+      <p:pic>
+        <p:nvPicPr>
+          <p:cNvPr id="1050" name="Picture 26" descr="Spotify Logo">
+            <a:extLst>
+              <a:ext uri="{FF2B5EF4-FFF2-40B4-BE49-F238E27FC236}">
+                <a16:creationId xmlns:a16="http://schemas.microsoft.com/office/drawing/2014/main" id="{831B455A-CA07-4DC4-9AD2-BE40FC3CB640}"/>
+              </a:ext>
+            </a:extLst>
+          </p:cNvPr>
+          <p:cNvPicPr>
+            <a:picLocks noChangeAspect="1" noChangeArrowheads="1"/>
+          </p:cNvPicPr>
+          <p:nvPr/>
+        </p:nvPicPr>
+        <p:blipFill>
+          <a:blip r:embed="rId13">
+            <a:extLst>
+              <a:ext uri="{28A0092B-C50C-407E-A947-70E740481C1C}">
+                <a14:useLocalDpi xmlns:a14="http://schemas.microsoft.com/office/drawing/2010/main" val="0"/>
+              </a:ext>
+            </a:extLst>
+          </a:blip>
+          <a:srcRect/>
+          <a:stretch>
+            <a:fillRect/>
+          </a:stretch>
+        </p:blipFill>
+        <p:spPr bwMode="auto">
+          <a:xfrm>
+            <a:off x="2759040" y="2719871"/>
+            <a:ext cx="2381250" cy="714375"/>
+          </a:xfrm>
+          <a:prstGeom prst="rect">
+            <a:avLst/>
+          </a:prstGeom>
+          <a:noFill/>
+          <a:extLst>
+            <a:ext uri="{909E8E84-426E-40DD-AFC4-6F175D3DCCD1}">
+              <a14:hiddenFill xmlns:a14="http://schemas.microsoft.com/office/drawing/2010/main">
+                <a:solidFill>
+                  <a:srgbClr val="FFFFFF"/>
+                </a:solidFill>
+              </a14:hiddenFill>
+            </a:ext>
+          </a:extLst>
+        </p:spPr>
+      </p:pic>
+      <p:pic>
+        <p:nvPicPr>
+          <p:cNvPr id="1052" name="Picture 28">
+            <a:extLst>
+              <a:ext uri="{FF2B5EF4-FFF2-40B4-BE49-F238E27FC236}">
+                <a16:creationId xmlns:a16="http://schemas.microsoft.com/office/drawing/2014/main" id="{D84B766B-97F7-4022-952A-03DD536442AE}"/>
+              </a:ext>
+            </a:extLst>
+          </p:cNvPr>
+          <p:cNvPicPr>
+            <a:picLocks noChangeAspect="1" noChangeArrowheads="1"/>
+          </p:cNvPicPr>
+          <p:nvPr/>
+        </p:nvPicPr>
+        <p:blipFill>
+          <a:blip r:embed="rId14">
+            <a:extLst>
+              <a:ext uri="{28A0092B-C50C-407E-A947-70E740481C1C}">
+                <a14:useLocalDpi xmlns:a14="http://schemas.microsoft.com/office/drawing/2010/main" val="0"/>
+              </a:ext>
+            </a:extLst>
+          </a:blip>
+          <a:srcRect/>
+          <a:stretch>
+            <a:fillRect/>
+          </a:stretch>
+        </p:blipFill>
+        <p:spPr bwMode="auto">
+          <a:xfrm>
+            <a:off x="929723" y="4964386"/>
+            <a:ext cx="2381250" cy="1457325"/>
+          </a:xfrm>
+          <a:prstGeom prst="rect">
+            <a:avLst/>
+          </a:prstGeom>
+          <a:noFill/>
+          <a:extLst>
+            <a:ext uri="{909E8E84-426E-40DD-AFC4-6F175D3DCCD1}">
+              <a14:hiddenFill xmlns:a14="http://schemas.microsoft.com/office/drawing/2010/main">
+                <a:solidFill>
+                  <a:srgbClr val="FFFFFF"/>
+                </a:solidFill>
+              </a14:hiddenFill>
+            </a:ext>
+          </a:extLst>
+        </p:spPr>
+      </p:pic>
+    </p:spTree>
+    <p:extLst>
+      <p:ext uri="{BB962C8B-B14F-4D97-AF65-F5344CB8AC3E}">
+        <p14:creationId xmlns:p14="http://schemas.microsoft.com/office/powerpoint/2010/main" val="3121580781"/>
+      </p:ext>
+    </p:extLst>
+  </p:cSld>
+  <p:clrMapOvr>
+    <a:masterClrMapping/>
+  </p:clrMapOvr>
+</p:sld>
+</file>
+
+<file path=ppt/slides/slide17.xml><?xml version="1.0" encoding="utf-8"?>
+<p:sld xmlns:a="http://schemas.openxmlformats.org/drawingml/2006/main" xmlns:r="http://schemas.openxmlformats.org/officeDocument/2006/relationships" xmlns:p="http://schemas.openxmlformats.org/presentationml/2006/main">
+  <p:cSld>
+    <p:spTree>
+      <p:nvGrpSpPr>
+        <p:cNvPr id="1" name=""/>
+        <p:cNvGrpSpPr/>
+        <p:nvPr/>
+      </p:nvGrpSpPr>
+      <p:grpSpPr>
+        <a:xfrm>
+          <a:off x="0" y="0"/>
+          <a:ext cx="0" cy="0"/>
+          <a:chOff x="0" y="0"/>
+          <a:chExt cx="0" cy="0"/>
+        </a:xfrm>
+      </p:grpSpPr>
       <p:sp>
         <p:nvSpPr>
           <p:cNvPr id="2" name="Title 1">
@@ -7266,6 +8272,44 @@
               <a:t>martinbateman</a:t>
             </a:r>
             <a:endParaRPr lang="en-GB" sz="2400" dirty="0"/>
+          </a:p>
+        </p:txBody>
+      </p:sp>
+      <p:sp>
+        <p:nvSpPr>
+          <p:cNvPr id="4" name="TextBox 3">
+            <a:extLst>
+              <a:ext uri="{FF2B5EF4-FFF2-40B4-BE49-F238E27FC236}">
+                <a16:creationId xmlns:a16="http://schemas.microsoft.com/office/drawing/2014/main" id="{2DF09221-7ECD-4C47-B34F-2C2B7BFDBC1D}"/>
+              </a:ext>
+            </a:extLst>
+          </p:cNvPr>
+          <p:cNvSpPr txBox="1"/>
+          <p:nvPr/>
+        </p:nvSpPr>
+        <p:spPr>
+          <a:xfrm>
+            <a:off x="3276541" y="6413645"/>
+            <a:ext cx="5638916" cy="369332"/>
+          </a:xfrm>
+          <a:prstGeom prst="rect">
+            <a:avLst/>
+          </a:prstGeom>
+          <a:noFill/>
+        </p:spPr>
+        <p:txBody>
+          <a:bodyPr wrap="none" rtlCol="0">
+            <a:spAutoFit/>
+          </a:bodyPr>
+          <a:lstStyle/>
+          <a:p>
+            <a:r>
+              <a:rPr lang="en-GB" dirty="0">
+                <a:hlinkClick r:id="rId3"/>
+              </a:rPr>
+              <a:t>https://martinbateman.github.io/talks/rjam20-4-2020.pdf</a:t>
+            </a:r>
+            <a:endParaRPr lang="en-GB" dirty="0"/>
           </a:p>
         </p:txBody>
       </p:sp>
